--- a/prototypes/EPA.pptx
+++ b/prototypes/EPA.pptx
@@ -7,7 +7,7 @@
     <p:sldMasterId id="2147483686" r:id="rId3"/>
   </p:sldMasterIdLst>
   <p:handoutMasterIdLst>
-    <p:handoutMasterId r:id="rId18"/>
+    <p:handoutMasterId r:id="rId22"/>
   </p:handoutMasterIdLst>
   <p:sldIdLst>
     <p:sldId id="287" r:id="rId4"/>
@@ -18,12 +18,16 @@
     <p:sldId id="309" r:id="rId9"/>
     <p:sldId id="305" r:id="rId10"/>
     <p:sldId id="306" r:id="rId11"/>
-    <p:sldId id="315" r:id="rId12"/>
+    <p:sldId id="317" r:id="rId12"/>
     <p:sldId id="310" r:id="rId13"/>
-    <p:sldId id="311" r:id="rId14"/>
-    <p:sldId id="312" r:id="rId15"/>
-    <p:sldId id="314" r:id="rId16"/>
-    <p:sldId id="313" r:id="rId17"/>
+    <p:sldId id="318" r:id="rId14"/>
+    <p:sldId id="311" r:id="rId15"/>
+    <p:sldId id="320" r:id="rId16"/>
+    <p:sldId id="319" r:id="rId17"/>
+    <p:sldId id="321" r:id="rId18"/>
+    <p:sldId id="316" r:id="rId19"/>
+    <p:sldId id="314" r:id="rId20"/>
+    <p:sldId id="313" r:id="rId21"/>
   </p:sldIdLst>
   <p:sldSz cx="9144000" cy="6858000" type="screen4x3"/>
   <p:notesSz cx="6858000" cy="9144000"/>
@@ -124,7 +128,7 @@
   </p:defaultTextStyle>
   <p:extLst>
     <p:ext uri="{EFAFB233-063F-42B5-8137-9DF3F51BA10A}">
-      <p15:sldGuideLst xmlns:p15="http://schemas.microsoft.com/office/powerpoint/2012/main" xmlns="">
+      <p15:sldGuideLst xmlns:p15="http://schemas.microsoft.com/office/powerpoint/2012/main">
         <p15:guide id="2" pos="2880" userDrawn="1">
           <p15:clr>
             <a:srgbClr val="A4A3A4"/>
@@ -143,7 +147,7 @@
       </p15:sldGuideLst>
     </p:ext>
     <p:ext uri="{2D200454-40CA-4A62-9FC3-DE9A4176ACB9}">
-      <p15:notesGuideLst xmlns:p15="http://schemas.microsoft.com/office/powerpoint/2012/main" xmlns=""/>
+      <p15:notesGuideLst xmlns:p15="http://schemas.microsoft.com/office/powerpoint/2012/main"/>
     </p:ext>
   </p:extLst>
 </p:presentation>
@@ -231,7 +235,7 @@
           <a:p>
             <a:fld id="{4DF7676A-16FE-41B0-990D-65C7DB39A42C}" type="datetimeFigureOut">
               <a:rPr lang="uk-UA" smtClean="0"/>
-              <a:t>25.10.2017</a:t>
+              <a:t>15.11.2017</a:t>
             </a:fld>
             <a:endParaRPr lang="uk-UA"/>
           </a:p>
@@ -297,7 +301,7 @@
           <a:p>
             <a:fld id="{67423AE1-4A07-4FCA-AD40-38BC1EAF6419}" type="slidenum">
               <a:rPr lang="uk-UA" smtClean="0"/>
-              <a:t>‹№›</a:t>
+              <a:t>‹#›</a:t>
             </a:fld>
             <a:endParaRPr lang="uk-UA"/>
           </a:p>
@@ -550,7 +554,7 @@
   </p:timing>
   <p:extLst mod="1">
     <p:ext uri="{DCECCB84-F9BA-43D5-87BE-67443E8EF086}">
-      <p15:sldGuideLst xmlns:p15="http://schemas.microsoft.com/office/powerpoint/2012/main" xmlns=""/>
+      <p15:sldGuideLst xmlns:p15="http://schemas.microsoft.com/office/powerpoint/2012/main"/>
     </p:ext>
   </p:extLst>
 </p:sldLayout>
@@ -2145,7 +2149,7 @@
   </p:txStyles>
   <p:extLst mod="1">
     <p:ext uri="{27BBF7A9-308A-43DC-89C8-2F10F3537804}">
-      <p15:sldGuideLst xmlns:p15="http://schemas.microsoft.com/office/powerpoint/2012/main" xmlns="">
+      <p15:sldGuideLst xmlns:p15="http://schemas.microsoft.com/office/powerpoint/2012/main">
         <p15:guide id="1" pos="136" userDrawn="1">
           <p15:clr>
             <a:srgbClr val="F26B43"/>
@@ -2661,7 +2665,7 @@
   </p:txStyles>
   <p:extLst mod="1">
     <p:ext uri="{27BBF7A9-308A-43DC-89C8-2F10F3537804}">
-      <p15:sldGuideLst xmlns:p15="http://schemas.microsoft.com/office/powerpoint/2012/main" xmlns="">
+      <p15:sldGuideLst xmlns:p15="http://schemas.microsoft.com/office/powerpoint/2012/main">
         <p15:guide id="1" pos="158" userDrawn="1">
           <p15:clr>
             <a:srgbClr val="F26B43"/>
@@ -3124,7 +3128,7 @@
   </p:txStyles>
   <p:extLst mod="1">
     <p:ext uri="{27BBF7A9-308A-43DC-89C8-2F10F3537804}">
-      <p15:sldGuideLst xmlns:p15="http://schemas.microsoft.com/office/powerpoint/2012/main" xmlns="">
+      <p15:sldGuideLst xmlns:p15="http://schemas.microsoft.com/office/powerpoint/2012/main">
         <p15:guide id="1" pos="125" userDrawn="1">
           <p15:clr>
             <a:srgbClr val="F26B43"/>
@@ -3276,61 +3280,44 @@
           <a:p>
             <a:r>
               <a:rPr lang="en-US" dirty="0" smtClean="0"/>
-              <a:t>User story</a:t>
-            </a:r>
+              <a:t>User </a:t>
+            </a:r>
+            <a:r>
+              <a:rPr lang="en-US" dirty="0" smtClean="0"/>
+              <a:t>flow</a:t>
+            </a:r>
+            <a:endParaRPr lang="en-US" dirty="0" smtClean="0"/>
           </a:p>
         </p:txBody>
       </p:sp>
       <p:pic>
         <p:nvPicPr>
-          <p:cNvPr id="3074" name="Picture 2"/>
+          <p:cNvPr id="2" name="Рисунок 1"/>
           <p:cNvPicPr>
-            <a:picLocks noChangeAspect="1" noChangeArrowheads="1"/>
+            <a:picLocks noChangeAspect="1"/>
           </p:cNvPicPr>
           <p:nvPr/>
         </p:nvPicPr>
-        <p:blipFill rotWithShape="1">
-          <a:blip r:embed="rId2">
+        <p:blipFill>
+          <a:blip r:embed="rId2" cstate="print">
             <a:extLst>
               <a:ext uri="{28A0092B-C50C-407E-A947-70E740481C1C}">
                 <a14:useLocalDpi xmlns:a14="http://schemas.microsoft.com/office/drawing/2010/main" val="0"/>
               </a:ext>
             </a:extLst>
           </a:blip>
-          <a:srcRect l="15905" t="9517" r="29267" b="6070"/>
-          <a:stretch/>
+          <a:stretch>
+            <a:fillRect/>
+          </a:stretch>
         </p:blipFill>
-        <p:spPr bwMode="auto">
-          <a:xfrm>
-            <a:off x="2412130" y="782624"/>
-            <a:ext cx="6248090" cy="6012312"/>
+        <p:spPr>
+          <a:xfrm>
+            <a:off x="3940168" y="763571"/>
+            <a:ext cx="3707130" cy="6094429"/>
           </a:xfrm>
           <a:prstGeom prst="rect">
             <a:avLst/>
           </a:prstGeom>
-          <a:noFill/>
-          <a:ln>
-            <a:noFill/>
-          </a:ln>
-          <a:extLst>
-            <a:ext uri="{909E8E84-426E-40DD-AFC4-6F175D3DCCD1}">
-              <a14:hiddenFill xmlns:a14="http://schemas.microsoft.com/office/drawing/2010/main">
-                <a:solidFill>
-                  <a:schemeClr val="accent1"/>
-                </a:solidFill>
-              </a14:hiddenFill>
-            </a:ext>
-            <a:ext uri="{91240B29-F687-4F45-9708-019B960494DF}">
-              <a14:hiddenLine xmlns:a14="http://schemas.microsoft.com/office/drawing/2010/main" w="9525">
-                <a:solidFill>
-                  <a:schemeClr val="tx1"/>
-                </a:solidFill>
-                <a:miter lim="800000"/>
-                <a:headEnd/>
-                <a:tailEnd/>
-              </a14:hiddenLine>
-            </a:ext>
-          </a:extLst>
         </p:spPr>
       </p:pic>
     </p:spTree>
@@ -3387,9 +3374,8 @@
           <a:p>
             <a:r>
               <a:rPr lang="en-US" dirty="0" smtClean="0"/>
-              <a:t>Mockup</a:t>
-            </a:r>
-            <a:endParaRPr lang="en-US" dirty="0"/>
+              <a:t>User story</a:t>
+            </a:r>
           </a:p>
         </p:txBody>
       </p:sp>
@@ -3402,7 +3388,7 @@
           <p:nvPr/>
         </p:nvPicPr>
         <p:blipFill>
-          <a:blip r:embed="rId2" cstate="print">
+          <a:blip r:embed="rId2">
             <a:extLst>
               <a:ext uri="{28A0092B-C50C-407E-A947-70E740481C1C}">
                 <a14:useLocalDpi xmlns:a14="http://schemas.microsoft.com/office/drawing/2010/main" val="0"/>
@@ -3415,38 +3401,8 @@
         </p:blipFill>
         <p:spPr>
           <a:xfrm>
-            <a:off x="379625" y="1545020"/>
-            <a:ext cx="3881466" cy="4821840"/>
-          </a:xfrm>
-          <a:prstGeom prst="rect">
-            <a:avLst/>
-          </a:prstGeom>
-        </p:spPr>
-      </p:pic>
-      <p:pic>
-        <p:nvPicPr>
-          <p:cNvPr id="5" name="Рисунок 4"/>
-          <p:cNvPicPr>
-            <a:picLocks noChangeAspect="1"/>
-          </p:cNvPicPr>
-          <p:nvPr/>
-        </p:nvPicPr>
-        <p:blipFill>
-          <a:blip r:embed="rId3" cstate="print">
-            <a:extLst>
-              <a:ext uri="{28A0092B-C50C-407E-A947-70E740481C1C}">
-                <a14:useLocalDpi xmlns:a14="http://schemas.microsoft.com/office/drawing/2010/main" val="0"/>
-              </a:ext>
-            </a:extLst>
-          </a:blip>
-          <a:stretch>
-            <a:fillRect/>
-          </a:stretch>
-        </p:blipFill>
-        <p:spPr>
-          <a:xfrm>
-            <a:off x="4428433" y="1545018"/>
-            <a:ext cx="4400258" cy="4821841"/>
+            <a:off x="2101954" y="923825"/>
+            <a:ext cx="6956487" cy="5759891"/>
           </a:xfrm>
           <a:prstGeom prst="rect">
             <a:avLst/>
@@ -3456,7 +3412,7 @@
     </p:spTree>
     <p:extLst>
       <p:ext uri="{BB962C8B-B14F-4D97-AF65-F5344CB8AC3E}">
-        <p14:creationId xmlns:p14="http://schemas.microsoft.com/office/powerpoint/2010/main" val="3034239300"/>
+        <p14:creationId xmlns:p14="http://schemas.microsoft.com/office/powerpoint/2010/main" val="3115099660"/>
       </p:ext>
     </p:extLst>
   </p:cSld>
@@ -3507,7 +3463,7 @@
           <a:p>
             <a:r>
               <a:rPr lang="en-US" dirty="0" smtClean="0"/>
-              <a:t>Data Base</a:t>
+              <a:t>Mockup</a:t>
             </a:r>
             <a:endParaRPr lang="en-US" dirty="0"/>
           </a:p>
@@ -3515,47 +3471,68 @@
       </p:sp>
       <p:pic>
         <p:nvPicPr>
-          <p:cNvPr id="2050" name="Picture 2" descr="C:\Users\Nastia\Desktop\SoftServe\Без імені.png"/>
+          <p:cNvPr id="4" name="Рисунок 3"/>
           <p:cNvPicPr>
-            <a:picLocks noChangeAspect="1" noChangeArrowheads="1"/>
+            <a:picLocks noChangeAspect="1"/>
           </p:cNvPicPr>
           <p:nvPr/>
         </p:nvPicPr>
-        <p:blipFill rotWithShape="1">
-          <a:blip r:embed="rId2">
+        <p:blipFill>
+          <a:blip r:embed="rId2" cstate="print">
             <a:extLst>
               <a:ext uri="{28A0092B-C50C-407E-A947-70E740481C1C}">
                 <a14:useLocalDpi xmlns:a14="http://schemas.microsoft.com/office/drawing/2010/main" val="0"/>
               </a:ext>
             </a:extLst>
           </a:blip>
-          <a:srcRect l="18707" t="19241" r="10818" b="18896"/>
-          <a:stretch/>
+          <a:stretch>
+            <a:fillRect/>
+          </a:stretch>
         </p:blipFill>
-        <p:spPr bwMode="auto">
-          <a:xfrm>
-            <a:off x="47294" y="1371620"/>
-            <a:ext cx="8850796" cy="4855759"/>
+        <p:spPr>
+          <a:xfrm>
+            <a:off x="379625" y="1545020"/>
+            <a:ext cx="3881466" cy="4821840"/>
           </a:xfrm>
           <a:prstGeom prst="rect">
             <a:avLst/>
           </a:prstGeom>
-          <a:noFill/>
-          <a:extLst>
-            <a:ext uri="{909E8E84-426E-40DD-AFC4-6F175D3DCCD1}">
-              <a14:hiddenFill xmlns:a14="http://schemas.microsoft.com/office/drawing/2010/main">
-                <a:solidFill>
-                  <a:srgbClr val="FFFFFF"/>
-                </a:solidFill>
-              </a14:hiddenFill>
-            </a:ext>
-          </a:extLst>
+        </p:spPr>
+      </p:pic>
+      <p:pic>
+        <p:nvPicPr>
+          <p:cNvPr id="5" name="Рисунок 4"/>
+          <p:cNvPicPr>
+            <a:picLocks noChangeAspect="1"/>
+          </p:cNvPicPr>
+          <p:nvPr/>
+        </p:nvPicPr>
+        <p:blipFill>
+          <a:blip r:embed="rId3" cstate="print">
+            <a:extLst>
+              <a:ext uri="{28A0092B-C50C-407E-A947-70E740481C1C}">
+                <a14:useLocalDpi xmlns:a14="http://schemas.microsoft.com/office/drawing/2010/main" val="0"/>
+              </a:ext>
+            </a:extLst>
+          </a:blip>
+          <a:stretch>
+            <a:fillRect/>
+          </a:stretch>
+        </p:blipFill>
+        <p:spPr>
+          <a:xfrm>
+            <a:off x="4428433" y="1545018"/>
+            <a:ext cx="4400258" cy="4821841"/>
+          </a:xfrm>
+          <a:prstGeom prst="rect">
+            <a:avLst/>
+          </a:prstGeom>
         </p:spPr>
       </p:pic>
     </p:spTree>
     <p:extLst>
       <p:ext uri="{BB962C8B-B14F-4D97-AF65-F5344CB8AC3E}">
-        <p14:creationId xmlns:p14="http://schemas.microsoft.com/office/powerpoint/2010/main" val="2564782279"/>
+        <p14:creationId xmlns:p14="http://schemas.microsoft.com/office/powerpoint/2010/main" val="3034239300"/>
       </p:ext>
     </p:extLst>
   </p:cSld>
@@ -3591,6 +3568,366 @@
       </p:grpSpPr>
       <p:sp>
         <p:nvSpPr>
+          <p:cNvPr id="3" name="Підзаголовок 2"/>
+          <p:cNvSpPr>
+            <a:spLocks noGrp="1"/>
+          </p:cNvSpPr>
+          <p:nvPr>
+            <p:ph type="subTitle" idx="1"/>
+          </p:nvPr>
+        </p:nvSpPr>
+        <p:spPr/>
+        <p:txBody>
+          <a:bodyPr/>
+          <a:lstStyle/>
+          <a:p>
+            <a:r>
+              <a:rPr lang="en-US" dirty="0" smtClean="0"/>
+              <a:t>Mockup</a:t>
+            </a:r>
+            <a:endParaRPr lang="en-US" dirty="0"/>
+          </a:p>
+        </p:txBody>
+      </p:sp>
+      <p:pic>
+        <p:nvPicPr>
+          <p:cNvPr id="2" name="Рисунок 1"/>
+          <p:cNvPicPr>
+            <a:picLocks noChangeAspect="1"/>
+          </p:cNvPicPr>
+          <p:nvPr/>
+        </p:nvPicPr>
+        <p:blipFill>
+          <a:blip r:embed="rId2">
+            <a:extLst>
+              <a:ext uri="{28A0092B-C50C-407E-A947-70E740481C1C}">
+                <a14:useLocalDpi xmlns:a14="http://schemas.microsoft.com/office/drawing/2010/main" val="0"/>
+              </a:ext>
+            </a:extLst>
+          </a:blip>
+          <a:stretch>
+            <a:fillRect/>
+          </a:stretch>
+        </p:blipFill>
+        <p:spPr>
+          <a:xfrm>
+            <a:off x="0" y="1504188"/>
+            <a:ext cx="9144000" cy="5353812"/>
+          </a:xfrm>
+          <a:prstGeom prst="rect">
+            <a:avLst/>
+          </a:prstGeom>
+        </p:spPr>
+      </p:pic>
+    </p:spTree>
+    <p:extLst>
+      <p:ext uri="{BB962C8B-B14F-4D97-AF65-F5344CB8AC3E}">
+        <p14:creationId xmlns:p14="http://schemas.microsoft.com/office/powerpoint/2010/main" val="4033165791"/>
+      </p:ext>
+    </p:extLst>
+  </p:cSld>
+  <p:clrMapOvr>
+    <a:masterClrMapping/>
+  </p:clrMapOvr>
+  <p:timing>
+    <p:tnLst>
+      <p:par>
+        <p:cTn id="1" dur="indefinite" restart="never" nodeType="tmRoot"/>
+      </p:par>
+    </p:tnLst>
+  </p:timing>
+</p:sld>
+</file>
+
+<file path=ppt/slides/slide14.xml><?xml version="1.0" encoding="utf-8"?>
+<p:sld xmlns:a="http://schemas.openxmlformats.org/drawingml/2006/main" xmlns:r="http://schemas.openxmlformats.org/officeDocument/2006/relationships" xmlns:p="http://schemas.openxmlformats.org/presentationml/2006/main">
+  <p:cSld>
+    <p:spTree>
+      <p:nvGrpSpPr>
+        <p:cNvPr id="1" name=""/>
+        <p:cNvGrpSpPr/>
+        <p:nvPr/>
+      </p:nvGrpSpPr>
+      <p:grpSpPr>
+        <a:xfrm>
+          <a:off x="0" y="0"/>
+          <a:ext cx="0" cy="0"/>
+          <a:chOff x="0" y="0"/>
+          <a:chExt cx="0" cy="0"/>
+        </a:xfrm>
+      </p:grpSpPr>
+      <p:sp>
+        <p:nvSpPr>
+          <p:cNvPr id="3" name="Підзаголовок 2"/>
+          <p:cNvSpPr>
+            <a:spLocks noGrp="1"/>
+          </p:cNvSpPr>
+          <p:nvPr>
+            <p:ph type="subTitle" idx="1"/>
+          </p:nvPr>
+        </p:nvSpPr>
+        <p:spPr/>
+        <p:txBody>
+          <a:bodyPr/>
+          <a:lstStyle/>
+          <a:p>
+            <a:r>
+              <a:rPr lang="en-US" dirty="0" smtClean="0"/>
+              <a:t>Mockup</a:t>
+            </a:r>
+            <a:endParaRPr lang="en-US" dirty="0"/>
+          </a:p>
+        </p:txBody>
+      </p:sp>
+      <p:pic>
+        <p:nvPicPr>
+          <p:cNvPr id="2" name="Рисунок 1"/>
+          <p:cNvPicPr>
+            <a:picLocks noChangeAspect="1"/>
+          </p:cNvPicPr>
+          <p:nvPr/>
+        </p:nvPicPr>
+        <p:blipFill>
+          <a:blip r:embed="rId2">
+            <a:extLst>
+              <a:ext uri="{28A0092B-C50C-407E-A947-70E740481C1C}">
+                <a14:useLocalDpi xmlns:a14="http://schemas.microsoft.com/office/drawing/2010/main" val="0"/>
+              </a:ext>
+            </a:extLst>
+          </a:blip>
+          <a:stretch>
+            <a:fillRect/>
+          </a:stretch>
+        </p:blipFill>
+        <p:spPr>
+          <a:xfrm>
+            <a:off x="0" y="1504188"/>
+            <a:ext cx="9144000" cy="5353812"/>
+          </a:xfrm>
+          <a:prstGeom prst="rect">
+            <a:avLst/>
+          </a:prstGeom>
+        </p:spPr>
+      </p:pic>
+    </p:spTree>
+    <p:extLst>
+      <p:ext uri="{BB962C8B-B14F-4D97-AF65-F5344CB8AC3E}">
+        <p14:creationId xmlns:p14="http://schemas.microsoft.com/office/powerpoint/2010/main" val="2344876319"/>
+      </p:ext>
+    </p:extLst>
+  </p:cSld>
+  <p:clrMapOvr>
+    <a:masterClrMapping/>
+  </p:clrMapOvr>
+  <p:timing>
+    <p:tnLst>
+      <p:par>
+        <p:cTn id="1" dur="indefinite" restart="never" nodeType="tmRoot"/>
+      </p:par>
+    </p:tnLst>
+  </p:timing>
+</p:sld>
+</file>
+
+<file path=ppt/slides/slide15.xml><?xml version="1.0" encoding="utf-8"?>
+<p:sld xmlns:a="http://schemas.openxmlformats.org/drawingml/2006/main" xmlns:r="http://schemas.openxmlformats.org/officeDocument/2006/relationships" xmlns:p="http://schemas.openxmlformats.org/presentationml/2006/main">
+  <p:cSld>
+    <p:spTree>
+      <p:nvGrpSpPr>
+        <p:cNvPr id="1" name=""/>
+        <p:cNvGrpSpPr/>
+        <p:nvPr/>
+      </p:nvGrpSpPr>
+      <p:grpSpPr>
+        <a:xfrm>
+          <a:off x="0" y="0"/>
+          <a:ext cx="0" cy="0"/>
+          <a:chOff x="0" y="0"/>
+          <a:chExt cx="0" cy="0"/>
+        </a:xfrm>
+      </p:grpSpPr>
+      <p:sp>
+        <p:nvSpPr>
+          <p:cNvPr id="3" name="Підзаголовок 2"/>
+          <p:cNvSpPr>
+            <a:spLocks noGrp="1"/>
+          </p:cNvSpPr>
+          <p:nvPr>
+            <p:ph type="subTitle" idx="1"/>
+          </p:nvPr>
+        </p:nvSpPr>
+        <p:spPr/>
+        <p:txBody>
+          <a:bodyPr/>
+          <a:lstStyle/>
+          <a:p>
+            <a:r>
+              <a:rPr lang="en-US" dirty="0" smtClean="0"/>
+              <a:t>Mockup</a:t>
+            </a:r>
+            <a:endParaRPr lang="en-US" dirty="0"/>
+          </a:p>
+        </p:txBody>
+      </p:sp>
+      <p:pic>
+        <p:nvPicPr>
+          <p:cNvPr id="4" name="Рисунок 3"/>
+          <p:cNvPicPr>
+            <a:picLocks noChangeAspect="1"/>
+          </p:cNvPicPr>
+          <p:nvPr/>
+        </p:nvPicPr>
+        <p:blipFill>
+          <a:blip r:embed="rId2">
+            <a:extLst>
+              <a:ext uri="{28A0092B-C50C-407E-A947-70E740481C1C}">
+                <a14:useLocalDpi xmlns:a14="http://schemas.microsoft.com/office/drawing/2010/main" val="0"/>
+              </a:ext>
+            </a:extLst>
+          </a:blip>
+          <a:stretch>
+            <a:fillRect/>
+          </a:stretch>
+        </p:blipFill>
+        <p:spPr>
+          <a:xfrm>
+            <a:off x="0" y="1504188"/>
+            <a:ext cx="9144000" cy="5353812"/>
+          </a:xfrm>
+          <a:prstGeom prst="rect">
+            <a:avLst/>
+          </a:prstGeom>
+        </p:spPr>
+      </p:pic>
+    </p:spTree>
+    <p:extLst>
+      <p:ext uri="{BB962C8B-B14F-4D97-AF65-F5344CB8AC3E}">
+        <p14:creationId xmlns:p14="http://schemas.microsoft.com/office/powerpoint/2010/main" val="2247154409"/>
+      </p:ext>
+    </p:extLst>
+  </p:cSld>
+  <p:clrMapOvr>
+    <a:masterClrMapping/>
+  </p:clrMapOvr>
+  <p:timing>
+    <p:tnLst>
+      <p:par>
+        <p:cTn id="1" dur="indefinite" restart="never" nodeType="tmRoot"/>
+      </p:par>
+    </p:tnLst>
+  </p:timing>
+</p:sld>
+</file>
+
+<file path=ppt/slides/slide16.xml><?xml version="1.0" encoding="utf-8"?>
+<p:sld xmlns:a="http://schemas.openxmlformats.org/drawingml/2006/main" xmlns:r="http://schemas.openxmlformats.org/officeDocument/2006/relationships" xmlns:p="http://schemas.openxmlformats.org/presentationml/2006/main">
+  <p:cSld>
+    <p:spTree>
+      <p:nvGrpSpPr>
+        <p:cNvPr id="1" name=""/>
+        <p:cNvGrpSpPr/>
+        <p:nvPr/>
+      </p:nvGrpSpPr>
+      <p:grpSpPr>
+        <a:xfrm>
+          <a:off x="0" y="0"/>
+          <a:ext cx="0" cy="0"/>
+          <a:chOff x="0" y="0"/>
+          <a:chExt cx="0" cy="0"/>
+        </a:xfrm>
+      </p:grpSpPr>
+      <p:sp>
+        <p:nvSpPr>
+          <p:cNvPr id="3" name="Підзаголовок 2"/>
+          <p:cNvSpPr>
+            <a:spLocks noGrp="1"/>
+          </p:cNvSpPr>
+          <p:nvPr>
+            <p:ph type="subTitle" idx="1"/>
+          </p:nvPr>
+        </p:nvSpPr>
+        <p:spPr/>
+        <p:txBody>
+          <a:bodyPr/>
+          <a:lstStyle/>
+          <a:p>
+            <a:r>
+              <a:rPr lang="en-US" dirty="0" smtClean="0"/>
+              <a:t>Data Base</a:t>
+            </a:r>
+            <a:endParaRPr lang="en-US" dirty="0"/>
+          </a:p>
+        </p:txBody>
+      </p:sp>
+      <p:pic>
+        <p:nvPicPr>
+          <p:cNvPr id="2" name="Рисунок 1"/>
+          <p:cNvPicPr>
+            <a:picLocks noChangeAspect="1"/>
+          </p:cNvPicPr>
+          <p:nvPr/>
+        </p:nvPicPr>
+        <p:blipFill>
+          <a:blip r:embed="rId2">
+            <a:extLst>
+              <a:ext uri="{28A0092B-C50C-407E-A947-70E740481C1C}">
+                <a14:useLocalDpi xmlns:a14="http://schemas.microsoft.com/office/drawing/2010/main" val="0"/>
+              </a:ext>
+            </a:extLst>
+          </a:blip>
+          <a:stretch>
+            <a:fillRect/>
+          </a:stretch>
+        </p:blipFill>
+        <p:spPr>
+          <a:xfrm>
+            <a:off x="0" y="1503552"/>
+            <a:ext cx="9144000" cy="3850896"/>
+          </a:xfrm>
+          <a:prstGeom prst="rect">
+            <a:avLst/>
+          </a:prstGeom>
+        </p:spPr>
+      </p:pic>
+    </p:spTree>
+    <p:extLst>
+      <p:ext uri="{BB962C8B-B14F-4D97-AF65-F5344CB8AC3E}">
+        <p14:creationId xmlns:p14="http://schemas.microsoft.com/office/powerpoint/2010/main" val="2923114276"/>
+      </p:ext>
+    </p:extLst>
+  </p:cSld>
+  <p:clrMapOvr>
+    <a:masterClrMapping/>
+  </p:clrMapOvr>
+  <p:timing>
+    <p:tnLst>
+      <p:par>
+        <p:cTn id="1" dur="indefinite" restart="never" nodeType="tmRoot"/>
+      </p:par>
+    </p:tnLst>
+  </p:timing>
+</p:sld>
+</file>
+
+<file path=ppt/slides/slide17.xml><?xml version="1.0" encoding="utf-8"?>
+<p:sld xmlns:a="http://schemas.openxmlformats.org/drawingml/2006/main" xmlns:r="http://schemas.openxmlformats.org/officeDocument/2006/relationships" xmlns:p="http://schemas.openxmlformats.org/presentationml/2006/main">
+  <p:cSld>
+    <p:spTree>
+      <p:nvGrpSpPr>
+        <p:cNvPr id="1" name=""/>
+        <p:cNvGrpSpPr/>
+        <p:nvPr/>
+      </p:nvGrpSpPr>
+      <p:grpSpPr>
+        <a:xfrm>
+          <a:off x="0" y="0"/>
+          <a:ext cx="0" cy="0"/>
+          <a:chOff x="0" y="0"/>
+          <a:chExt cx="0" cy="0"/>
+        </a:xfrm>
+      </p:grpSpPr>
+      <p:sp>
+        <p:nvSpPr>
           <p:cNvPr id="2" name="Місце для тексту 1"/>
           <p:cNvSpPr>
             <a:spLocks noGrp="1"/>
@@ -3835,10 +4172,17 @@
   <p:clrMapOvr>
     <a:masterClrMapping/>
   </p:clrMapOvr>
+  <p:timing>
+    <p:tnLst>
+      <p:par>
+        <p:cTn id="1" dur="indefinite" restart="never" nodeType="tmRoot"/>
+      </p:par>
+    </p:tnLst>
+  </p:timing>
 </p:sld>
 </file>
 
-<file path=ppt/slides/slide14.xml><?xml version="1.0" encoding="utf-8"?>
+<file path=ppt/slides/slide18.xml><?xml version="1.0" encoding="utf-8"?>
 <p:sld xmlns:a="http://schemas.openxmlformats.org/drawingml/2006/main" xmlns:r="http://schemas.openxmlformats.org/officeDocument/2006/relationships" xmlns:p="http://schemas.openxmlformats.org/presentationml/2006/main">
   <p:cSld>
     <p:spTree>
@@ -5306,12 +5650,12 @@
               <a:t>Pass </a:t>
             </a:r>
             <a:r>
-              <a:rPr lang="en-US" dirty="0" err="1"/>
-              <a:t>proforientation</a:t>
+              <a:rPr lang="en-US" dirty="0" smtClean="0"/>
+              <a:t>prof orientation </a:t>
             </a:r>
             <a:r>
               <a:rPr lang="en-US" dirty="0"/>
-              <a:t> tests</a:t>
+              <a:t>tests</a:t>
             </a:r>
           </a:p>
           <a:p>
@@ -6522,6 +6866,66 @@
           </a:extLst>
         </p:spPr>
       </p:pic>
+      <p:pic>
+        <p:nvPicPr>
+          <p:cNvPr id="4" name="Рисунок 3"/>
+          <p:cNvPicPr>
+            <a:picLocks noChangeAspect="1"/>
+          </p:cNvPicPr>
+          <p:nvPr/>
+        </p:nvPicPr>
+        <p:blipFill>
+          <a:blip r:embed="rId32">
+            <a:extLst>
+              <a:ext uri="{28A0092B-C50C-407E-A947-70E740481C1C}">
+                <a14:useLocalDpi xmlns:a14="http://schemas.microsoft.com/office/drawing/2010/main" val="0"/>
+              </a:ext>
+            </a:extLst>
+          </a:blip>
+          <a:stretch>
+            <a:fillRect/>
+          </a:stretch>
+        </p:blipFill>
+        <p:spPr>
+          <a:xfrm>
+            <a:off x="6508970" y="3738877"/>
+            <a:ext cx="2551739" cy="791039"/>
+          </a:xfrm>
+          <a:prstGeom prst="rect">
+            <a:avLst/>
+          </a:prstGeom>
+        </p:spPr>
+      </p:pic>
+      <p:pic>
+        <p:nvPicPr>
+          <p:cNvPr id="7" name="Рисунок 6"/>
+          <p:cNvPicPr>
+            <a:picLocks noChangeAspect="1"/>
+          </p:cNvPicPr>
+          <p:nvPr/>
+        </p:nvPicPr>
+        <p:blipFill>
+          <a:blip r:embed="rId33" cstate="print">
+            <a:extLst>
+              <a:ext uri="{28A0092B-C50C-407E-A947-70E740481C1C}">
+                <a14:useLocalDpi xmlns:a14="http://schemas.microsoft.com/office/drawing/2010/main" val="0"/>
+              </a:ext>
+            </a:extLst>
+          </a:blip>
+          <a:stretch>
+            <a:fillRect/>
+          </a:stretch>
+        </p:blipFill>
+        <p:spPr>
+          <a:xfrm>
+            <a:off x="7119996" y="5682907"/>
+            <a:ext cx="1561360" cy="587522"/>
+          </a:xfrm>
+          <a:prstGeom prst="rect">
+            <a:avLst/>
+          </a:prstGeom>
+        </p:spPr>
+      </p:pic>
     </p:spTree>
     <p:extLst>
       <p:ext uri="{BB962C8B-B14F-4D97-AF65-F5344CB8AC3E}">
@@ -6635,13 +7039,13 @@
       </p:pic>
       <p:pic>
         <p:nvPicPr>
-          <p:cNvPr id="1027" name="Picture 3"/>
+          <p:cNvPr id="2" name="Рисунок 1"/>
           <p:cNvPicPr>
-            <a:picLocks noChangeAspect="1" noChangeArrowheads="1"/>
+            <a:picLocks noChangeAspect="1"/>
           </p:cNvPicPr>
           <p:nvPr/>
         </p:nvPicPr>
-        <p:blipFill rotWithShape="1">
+        <p:blipFill>
           <a:blip r:embed="rId3">
             <a:extLst>
               <a:ext uri="{28A0092B-C50C-407E-A947-70E740481C1C}">
@@ -6649,52 +7053,37 @@
               </a:ext>
             </a:extLst>
           </a:blip>
-          <a:srcRect l="39253" t="35507" r="13312" b="42987"/>
-          <a:stretch/>
+          <a:stretch>
+            <a:fillRect/>
+          </a:stretch>
         </p:blipFill>
-        <p:spPr bwMode="auto">
-          <a:xfrm>
-            <a:off x="273132" y="3657584"/>
-            <a:ext cx="6998663" cy="1983193"/>
+        <p:spPr>
+          <a:xfrm>
+            <a:off x="368817" y="4074348"/>
+            <a:ext cx="7184213" cy="2198448"/>
           </a:xfrm>
           <a:prstGeom prst="rect">
             <a:avLst/>
           </a:prstGeom>
-          <a:noFill/>
-          <a:ln>
-            <a:noFill/>
-          </a:ln>
-          <a:extLst>
-            <a:ext uri="{909E8E84-426E-40DD-AFC4-6F175D3DCCD1}">
-              <a14:hiddenFill xmlns:a14="http://schemas.microsoft.com/office/drawing/2010/main">
-                <a:solidFill>
-                  <a:schemeClr val="accent1"/>
-                </a:solidFill>
-              </a14:hiddenFill>
-            </a:ext>
-            <a:ext uri="{91240B29-F687-4F45-9708-019B960494DF}">
-              <a14:hiddenLine xmlns:a14="http://schemas.microsoft.com/office/drawing/2010/main" w="9525">
-                <a:solidFill>
-                  <a:schemeClr val="tx1"/>
-                </a:solidFill>
-                <a:miter lim="800000"/>
-                <a:headEnd/>
-                <a:tailEnd/>
-              </a14:hiddenLine>
-            </a:ext>
-          </a:extLst>
         </p:spPr>
       </p:pic>
     </p:spTree>
     <p:extLst>
       <p:ext uri="{BB962C8B-B14F-4D97-AF65-F5344CB8AC3E}">
-        <p14:creationId xmlns:p14="http://schemas.microsoft.com/office/powerpoint/2010/main" val="874088050"/>
+        <p14:creationId xmlns:p14="http://schemas.microsoft.com/office/powerpoint/2010/main" val="3675397346"/>
       </p:ext>
     </p:extLst>
   </p:cSld>
   <p:clrMapOvr>
     <a:masterClrMapping/>
   </p:clrMapOvr>
+  <p:timing>
+    <p:tnLst>
+      <p:par>
+        <p:cTn id="1" dur="indefinite" restart="never" nodeType="tmRoot"/>
+      </p:par>
+    </p:tnLst>
+  </p:timing>
 </p:sld>
 </file>
 
@@ -6893,7 +7282,7 @@
   <a:extraClrSchemeLst/>
   <a:extLst>
     <a:ext uri="{05A4C25C-085E-4340-85A3-A5531E510DB2}">
-      <thm15:themeFamily xmlns:thm15="http://schemas.microsoft.com/office/thememl/2012/main" xmlns="" name="Office Theme" id="{62F939B6-93AF-4DB8-9C6B-D6C7DFDC589F}" vid="{4A3C46E8-61CC-4603-A589-7422A47A8E4A}"/>
+      <thm15:themeFamily xmlns:thm15="http://schemas.microsoft.com/office/thememl/2012/main" name="Office Theme" id="{62F939B6-93AF-4DB8-9C6B-D6C7DFDC589F}" vid="{4A3C46E8-61CC-4603-A589-7422A47A8E4A}"/>
     </a:ext>
   </a:extLst>
 </a:theme>
@@ -7094,7 +7483,7 @@
   <a:extraClrSchemeLst/>
   <a:extLst>
     <a:ext uri="{05A4C25C-085E-4340-85A3-A5531E510DB2}">
-      <thm15:themeFamily xmlns:thm15="http://schemas.microsoft.com/office/thememl/2012/main" xmlns="" name="Office Theme" id="{62F939B6-93AF-4DB8-9C6B-D6C7DFDC589F}" vid="{4A3C46E8-61CC-4603-A589-7422A47A8E4A}"/>
+      <thm15:themeFamily xmlns:thm15="http://schemas.microsoft.com/office/thememl/2012/main" name="Office Theme" id="{62F939B6-93AF-4DB8-9C6B-D6C7DFDC589F}" vid="{4A3C46E8-61CC-4603-A589-7422A47A8E4A}"/>
     </a:ext>
   </a:extLst>
 </a:theme>
@@ -7295,7 +7684,7 @@
   <a:extraClrSchemeLst/>
   <a:extLst>
     <a:ext uri="{05A4C25C-085E-4340-85A3-A5531E510DB2}">
-      <thm15:themeFamily xmlns:thm15="http://schemas.microsoft.com/office/thememl/2012/main" xmlns="" name="Office Theme" id="{62F939B6-93AF-4DB8-9C6B-D6C7DFDC589F}" vid="{4A3C46E8-61CC-4603-A589-7422A47A8E4A}"/>
+      <thm15:themeFamily xmlns:thm15="http://schemas.microsoft.com/office/thememl/2012/main" name="Office Theme" id="{62F939B6-93AF-4DB8-9C6B-D6C7DFDC589F}" vid="{4A3C46E8-61CC-4603-A589-7422A47A8E4A}"/>
     </a:ext>
   </a:extLst>
 </a:theme>
@@ -7556,7 +7945,7 @@
   <a:extraClrSchemeLst/>
   <a:extLst>
     <a:ext uri="{05A4C25C-085E-4340-85A3-A5531E510DB2}">
-      <thm15:themeFamily xmlns:thm15="http://schemas.microsoft.com/office/thememl/2012/main" xmlns="" name="Office Theme" id="{62F939B6-93AF-4DB8-9C6B-D6C7DFDC589F}" vid="{4A3C46E8-61CC-4603-A589-7422A47A8E4A}"/>
+      <thm15:themeFamily xmlns:thm15="http://schemas.microsoft.com/office/thememl/2012/main" name="Office Theme" id="{62F939B6-93AF-4DB8-9C6B-D6C7DFDC589F}" vid="{4A3C46E8-61CC-4603-A589-7422A47A8E4A}"/>
     </a:ext>
   </a:extLst>
 </a:theme>

--- a/prototypes/EPA.pptx
+++ b/prototypes/EPA.pptx
@@ -3280,13 +3280,8 @@
           <a:p>
             <a:r>
               <a:rPr lang="en-US" dirty="0" smtClean="0"/>
-              <a:t>User </a:t>
-            </a:r>
-            <a:r>
-              <a:rPr lang="en-US" dirty="0" smtClean="0"/>
-              <a:t>flow</a:t>
-            </a:r>
-            <a:endParaRPr lang="en-US" dirty="0" smtClean="0"/>
+              <a:t>User flow</a:t>
+            </a:r>
           </a:p>
         </p:txBody>
       </p:sp>
@@ -3948,13 +3943,49 @@
           <a:p>
             <a:r>
               <a:rPr lang="en-US" dirty="0" smtClean="0"/>
-              <a:t>To fill data base tables that contain information about universities and their specialties, we create additional desktop application that parse information from site “vstup.info”.</a:t>
-            </a:r>
-          </a:p>
-          <a:p>
-            <a:r>
-              <a:rPr lang="en-US" dirty="0" smtClean="0"/>
-              <a:t>This application will be completed once per year,  when there can be added new universities or new specialties.</a:t>
+              <a:t>To fill data base tables that contain information about universities and their specialties, we </a:t>
+            </a:r>
+            <a:r>
+              <a:rPr lang="en-US" dirty="0" smtClean="0"/>
+              <a:t>created </a:t>
+            </a:r>
+            <a:r>
+              <a:rPr lang="en-US" dirty="0" smtClean="0"/>
+              <a:t>additional desktop application that </a:t>
+            </a:r>
+            <a:r>
+              <a:rPr lang="en-US" dirty="0" smtClean="0"/>
+              <a:t>parses </a:t>
+            </a:r>
+            <a:r>
+              <a:rPr lang="en-US" dirty="0" smtClean="0"/>
+              <a:t>information from site “vstup.info”.</a:t>
+            </a:r>
+          </a:p>
+          <a:p>
+            <a:r>
+              <a:rPr lang="en-US" dirty="0" smtClean="0"/>
+              <a:t>This application will be </a:t>
+            </a:r>
+            <a:r>
+              <a:rPr lang="en-US" dirty="0" err="1" smtClean="0"/>
+              <a:t>runned</a:t>
+            </a:r>
+            <a:r>
+              <a:rPr lang="en-US" dirty="0" smtClean="0"/>
+              <a:t> once </a:t>
+            </a:r>
+            <a:r>
+              <a:rPr lang="en-US" dirty="0" smtClean="0"/>
+              <a:t>per year,  </a:t>
+            </a:r>
+            <a:r>
+              <a:rPr lang="en-US" dirty="0" smtClean="0"/>
+              <a:t>if there has been </a:t>
+            </a:r>
+            <a:r>
+              <a:rPr lang="en-US" dirty="0" smtClean="0"/>
+              <a:t>added new universities or new specialties.</a:t>
             </a:r>
             <a:endParaRPr lang="en-US" dirty="0"/>
           </a:p>
@@ -4811,15 +4842,27 @@
             </a:r>
             <a:r>
               <a:rPr lang="en-US" dirty="0" smtClean="0"/>
-              <a:t>faced with the problem </a:t>
+              <a:t>face</a:t>
+            </a:r>
+            <a:r>
+              <a:rPr lang="uk-UA" dirty="0" smtClean="0"/>
+              <a:t> </a:t>
+            </a:r>
+            <a:r>
+              <a:rPr lang="en-US" dirty="0" smtClean="0"/>
+              <a:t>the </a:t>
+            </a:r>
+            <a:r>
+              <a:rPr lang="en-US" dirty="0" smtClean="0"/>
+              <a:t>problem </a:t>
             </a:r>
             <a:r>
               <a:rPr lang="en-US" dirty="0"/>
-              <a:t>of choosing a higher educational </a:t>
-            </a:r>
-            <a:r>
-              <a:rPr lang="en-US" dirty="0" smtClean="0"/>
-              <a:t>institution</a:t>
+              <a:t>of </a:t>
+            </a:r>
+            <a:r>
+              <a:rPr lang="en-US" dirty="0" smtClean="0"/>
+              <a:t>choosing a higher educational institution</a:t>
             </a:r>
             <a:r>
               <a:rPr lang="uk-UA" dirty="0" smtClean="0"/>
@@ -4850,8 +4893,13 @@
             </a:r>
             <a:r>
               <a:rPr lang="en-US" dirty="0" smtClean="0"/>
-              <a:t> School graduates and there parents, that prepares to enter to university.</a:t>
-            </a:r>
+              <a:t> School graduates and </a:t>
+            </a:r>
+            <a:r>
+              <a:rPr lang="en-US" dirty="0" smtClean="0"/>
+              <a:t>their parents, who are deciding which  university to choose.</a:t>
+            </a:r>
+            <a:endParaRPr lang="en-US" dirty="0" smtClean="0"/>
           </a:p>
           <a:p>
             <a:endParaRPr lang="en-US" i="1" u="sng" dirty="0" smtClean="0"/>
@@ -4863,7 +4911,31 @@
             </a:r>
             <a:r>
               <a:rPr lang="en-US" dirty="0" smtClean="0"/>
-              <a:t>  Web application that contains list of all universities with details, prof orientation tests, algorithms of specialties selection.</a:t>
+              <a:t>  Web </a:t>
+            </a:r>
+            <a:r>
+              <a:rPr lang="en-US" dirty="0" smtClean="0"/>
+              <a:t>application that contains </a:t>
+            </a:r>
+            <a:r>
+              <a:rPr lang="en-US" dirty="0" smtClean="0"/>
+              <a:t>list of all universities with details, prof </a:t>
+            </a:r>
+            <a:r>
+              <a:rPr lang="en-US" dirty="0" err="1" smtClean="0"/>
+              <a:t>orientational</a:t>
+            </a:r>
+            <a:r>
+              <a:rPr lang="en-US" dirty="0" smtClean="0"/>
+              <a:t> </a:t>
+            </a:r>
+            <a:r>
+              <a:rPr lang="en-US" dirty="0" smtClean="0"/>
+              <a:t>tests</a:t>
+            </a:r>
+            <a:r>
+              <a:rPr lang="en-US" dirty="0"/>
+              <a:t>, specialties selection algorithms.</a:t>
             </a:r>
             <a:endParaRPr lang="uk-UA" i="1" u="sng" dirty="0"/>
           </a:p>
@@ -5515,9 +5587,17 @@
             </a:pPr>
             <a:r>
               <a:rPr lang="en-US" dirty="0" smtClean="0"/>
-              <a:t>View list of universities, specialties with detail information (data should be structured)</a:t>
-            </a:r>
-            <a:endParaRPr lang="uk-UA" dirty="0" smtClean="0"/>
+              <a:t>View list of universities, specialties with </a:t>
+            </a:r>
+            <a:r>
+              <a:rPr lang="en-US" dirty="0" smtClean="0"/>
+              <a:t>detailed </a:t>
+            </a:r>
+            <a:r>
+              <a:rPr lang="en-US" dirty="0" smtClean="0"/>
+              <a:t>information </a:t>
+            </a:r>
+            <a:endParaRPr lang="en-US" dirty="0" smtClean="0"/>
           </a:p>
           <a:p>
             <a:pPr marL="457200" indent="-457200">
@@ -5525,7 +5605,11 @@
             </a:pPr>
             <a:r>
               <a:rPr lang="en-US" dirty="0" smtClean="0"/>
-              <a:t>View TOP universities </a:t>
+              <a:t>View </a:t>
+            </a:r>
+            <a:r>
+              <a:rPr lang="en-US" dirty="0" smtClean="0"/>
+              <a:t>TOP universities </a:t>
             </a:r>
             <a:endParaRPr lang="uk-UA" dirty="0"/>
           </a:p>
@@ -5629,8 +5713,13 @@
             </a:pPr>
             <a:r>
               <a:rPr lang="en-US" dirty="0"/>
-              <a:t>Create account where displays his personal data</a:t>
-            </a:r>
+              <a:t>Create </a:t>
+            </a:r>
+            <a:r>
+              <a:rPr lang="en-US" dirty="0" smtClean="0"/>
+              <a:t>an account where personal data can be showed</a:t>
+            </a:r>
+            <a:endParaRPr lang="en-US" dirty="0"/>
           </a:p>
           <a:p>
             <a:pPr marL="457200" indent="-457200" algn="just">
@@ -5638,8 +5727,13 @@
             </a:pPr>
             <a:r>
               <a:rPr lang="en-US" dirty="0"/>
-              <a:t>Add to wish list interested his specialties</a:t>
-            </a:r>
+              <a:t>Add to wish list interested </a:t>
+            </a:r>
+            <a:r>
+              <a:rPr lang="en-US" dirty="0" smtClean="0"/>
+              <a:t>specialties</a:t>
+            </a:r>
+            <a:endParaRPr lang="en-US" dirty="0"/>
           </a:p>
           <a:p>
             <a:pPr marL="457200" indent="-457200" algn="just">
@@ -5651,7 +5745,15 @@
             </a:r>
             <a:r>
               <a:rPr lang="en-US" dirty="0" smtClean="0"/>
-              <a:t>prof orientation </a:t>
+              <a:t>prof </a:t>
+            </a:r>
+            <a:r>
+              <a:rPr lang="en-US" dirty="0" err="1" smtClean="0"/>
+              <a:t>orientational</a:t>
+            </a:r>
+            <a:r>
+              <a:rPr lang="en-US" dirty="0" smtClean="0"/>
+              <a:t> </a:t>
             </a:r>
             <a:r>
               <a:rPr lang="en-US" dirty="0"/>
@@ -5664,7 +5766,19 @@
             </a:pPr>
             <a:r>
               <a:rPr lang="en-US" dirty="0"/>
-              <a:t>Auto generation of specialty list where to apply documents</a:t>
+              <a:t>Auto generation of specialty list where </a:t>
+            </a:r>
+            <a:r>
+              <a:rPr lang="en-US" dirty="0" smtClean="0"/>
+              <a:t>he can</a:t>
+            </a:r>
+            <a:r>
+              <a:rPr lang="en-US" dirty="0" smtClean="0"/>
+              <a:t> </a:t>
+            </a:r>
+            <a:r>
+              <a:rPr lang="en-US" dirty="0"/>
+              <a:t>apply documents</a:t>
             </a:r>
           </a:p>
           <a:p>
@@ -5673,15 +5787,7 @@
             </a:pPr>
             <a:r>
               <a:rPr lang="en-US" dirty="0" smtClean="0"/>
-              <a:t>Choose </a:t>
-            </a:r>
-            <a:r>
-              <a:rPr lang="en-US" dirty="0"/>
-              <a:t>favorite subjects to generate specialty </a:t>
-            </a:r>
-            <a:r>
-              <a:rPr lang="en-US" dirty="0" smtClean="0"/>
-              <a:t>list</a:t>
+              <a:t>Specialty list can be generated based on ZNO subjects, Directions, and by Districts</a:t>
             </a:r>
             <a:endParaRPr lang="en-US" dirty="0"/>
           </a:p>
